--- a/workshops/2.Objects_GC.pptx
+++ b/workshops/2.Objects_GC.pptx
@@ -6,13 +6,14 @@
   </p:sldMasterIdLst>
   <p:sldIdLst>
     <p:sldId id="256" r:id="rId2"/>
-    <p:sldId id="257" r:id="rId3"/>
-    <p:sldId id="258" r:id="rId4"/>
-    <p:sldId id="259" r:id="rId5"/>
-    <p:sldId id="260" r:id="rId6"/>
-    <p:sldId id="262" r:id="rId7"/>
+    <p:sldId id="264" r:id="rId3"/>
+    <p:sldId id="257" r:id="rId4"/>
+    <p:sldId id="258" r:id="rId5"/>
+    <p:sldId id="259" r:id="rId6"/>
+    <p:sldId id="260" r:id="rId7"/>
     <p:sldId id="263" r:id="rId8"/>
-    <p:sldId id="261" r:id="rId9"/>
+    <p:sldId id="262" r:id="rId9"/>
+    <p:sldId id="261" r:id="rId10"/>
   </p:sldIdLst>
   <p:sldSz cx="9144000" cy="6858000" type="screen4x3"/>
   <p:notesSz cx="6858000" cy="9144000"/>
@@ -740,7 +741,7 @@
             <a:fld id="{1D8BD707-D9CF-40AE-B4C6-C98DA3205C09}" type="datetimeFigureOut">
               <a:rPr lang="en-US" smtClean="0"/>
               <a:pPr/>
-              <a:t>10/19/2014</a:t>
+              <a:t>10/26/2014</a:t>
             </a:fld>
             <a:endParaRPr lang="en-US"/>
           </a:p>
@@ -938,7 +939,7 @@
             <a:fld id="{1D8BD707-D9CF-40AE-B4C6-C98DA3205C09}" type="datetimeFigureOut">
               <a:rPr lang="en-US" smtClean="0"/>
               <a:pPr/>
-              <a:t>10/19/2014</a:t>
+              <a:t>10/26/2014</a:t>
             </a:fld>
             <a:endParaRPr lang="en-US"/>
           </a:p>
@@ -1125,7 +1126,7 @@
             <a:fld id="{1D8BD707-D9CF-40AE-B4C6-C98DA3205C09}" type="datetimeFigureOut">
               <a:rPr lang="en-US" smtClean="0"/>
               <a:pPr/>
-              <a:t>10/19/2014</a:t>
+              <a:t>10/26/2014</a:t>
             </a:fld>
             <a:endParaRPr lang="en-US"/>
           </a:p>
@@ -1277,7 +1278,7 @@
             <a:fld id="{1D8BD707-D9CF-40AE-B4C6-C98DA3205C09}" type="datetimeFigureOut">
               <a:rPr lang="en-US" smtClean="0"/>
               <a:pPr/>
-              <a:t>10/19/2014</a:t>
+              <a:t>10/26/2014</a:t>
             </a:fld>
             <a:endParaRPr lang="en-US"/>
           </a:p>
@@ -1534,7 +1535,7 @@
             <a:fld id="{1D8BD707-D9CF-40AE-B4C6-C98DA3205C09}" type="datetimeFigureOut">
               <a:rPr lang="en-US" smtClean="0"/>
               <a:pPr/>
-              <a:t>10/19/2014</a:t>
+              <a:t>10/26/2014</a:t>
             </a:fld>
             <a:endParaRPr lang="en-US"/>
           </a:p>
@@ -1945,7 +1946,7 @@
             <a:fld id="{1D8BD707-D9CF-40AE-B4C6-C98DA3205C09}" type="datetimeFigureOut">
               <a:rPr lang="en-US" smtClean="0"/>
               <a:pPr/>
-              <a:t>10/19/2014</a:t>
+              <a:t>10/26/2014</a:t>
             </a:fld>
             <a:endParaRPr lang="en-US"/>
           </a:p>
@@ -2393,7 +2394,7 @@
             <a:fld id="{1D8BD707-D9CF-40AE-B4C6-C98DA3205C09}" type="datetimeFigureOut">
               <a:rPr lang="en-US" smtClean="0"/>
               <a:pPr/>
-              <a:t>10/19/2014</a:t>
+              <a:t>10/26/2014</a:t>
             </a:fld>
             <a:endParaRPr lang="en-US"/>
           </a:p>
@@ -2496,7 +2497,7 @@
             <a:fld id="{1D8BD707-D9CF-40AE-B4C6-C98DA3205C09}" type="datetimeFigureOut">
               <a:rPr lang="en-US" smtClean="0"/>
               <a:pPr/>
-              <a:t>10/19/2014</a:t>
+              <a:t>10/26/2014</a:t>
             </a:fld>
             <a:endParaRPr lang="en-US"/>
           </a:p>
@@ -2619,7 +2620,7 @@
             <a:fld id="{1D8BD707-D9CF-40AE-B4C6-C98DA3205C09}" type="datetimeFigureOut">
               <a:rPr lang="en-US" smtClean="0"/>
               <a:pPr/>
-              <a:t>10/19/2014</a:t>
+              <a:t>10/26/2014</a:t>
             </a:fld>
             <a:endParaRPr lang="en-US"/>
           </a:p>
@@ -2895,7 +2896,7 @@
             <a:fld id="{1D8BD707-D9CF-40AE-B4C6-C98DA3205C09}" type="datetimeFigureOut">
               <a:rPr lang="en-US" smtClean="0"/>
               <a:pPr/>
-              <a:t>10/19/2014</a:t>
+              <a:t>10/26/2014</a:t>
             </a:fld>
             <a:endParaRPr lang="en-US"/>
           </a:p>
@@ -3102,7 +3103,7 @@
             <a:fld id="{1D8BD707-D9CF-40AE-B4C6-C98DA3205C09}" type="datetimeFigureOut">
               <a:rPr lang="en-US" smtClean="0"/>
               <a:pPr/>
-              <a:t>10/19/2014</a:t>
+              <a:t>10/26/2014</a:t>
             </a:fld>
             <a:endParaRPr lang="en-US"/>
           </a:p>
@@ -4213,7 +4214,7 @@
             <a:fld id="{1D8BD707-D9CF-40AE-B4C6-C98DA3205C09}" type="datetimeFigureOut">
               <a:rPr lang="en-US" smtClean="0"/>
               <a:pPr/>
-              <a:t>10/19/2014</a:t>
+              <a:t>10/26/2014</a:t>
             </a:fld>
             <a:endParaRPr lang="en-US"/>
           </a:p>
@@ -4700,7 +4701,7 @@
       </p:grpSpPr>
       <p:sp>
         <p:nvSpPr>
-          <p:cNvPr id="3" name="Content Placeholder 2"/>
+          <p:cNvPr id="2" name="Content Placeholder 1"/>
           <p:cNvSpPr>
             <a:spLocks noGrp="1"/>
           </p:cNvSpPr>
@@ -4713,35 +4714,74 @@
           <a:bodyPr/>
           <a:lstStyle/>
           <a:p>
+            <a:pPr algn="just"/>
             <a:r>
               <a:rPr lang="en-US" dirty="0" smtClean="0"/>
-              <a:t>Local variables (also known as method-local variables)</a:t>
-            </a:r>
-          </a:p>
-          <a:p>
+              <a:t>A </a:t>
+            </a:r>
+            <a:r>
+              <a:rPr lang="en-US" i="1" dirty="0" smtClean="0"/>
+              <a:t>class</a:t>
+            </a:r>
             <a:r>
               <a:rPr lang="en-US" dirty="0" smtClean="0"/>
-              <a:t>Method parameters (also known as method arguments)</a:t>
-            </a:r>
-          </a:p>
-          <a:p>
+              <a:t> is the blueprint from which individual objects are </a:t>
+            </a:r>
             <a:r>
               <a:rPr lang="en-US" dirty="0" smtClean="0"/>
-              <a:t>Instance variables (also known as attributes, fields, and </a:t>
-            </a:r>
-            <a:r>
-              <a:rPr lang="en-US" dirty="0" err="1" smtClean="0"/>
-              <a:t>nonstatic</a:t>
-            </a:r>
+              <a:t>created.</a:t>
+            </a:r>
+          </a:p>
+          <a:p>
+            <a:pPr algn="just">
+              <a:buNone/>
+            </a:pPr>
+            <a:endParaRPr lang="en-US" dirty="0" smtClean="0"/>
+          </a:p>
+          <a:p>
+            <a:pPr algn="just"/>
             <a:r>
               <a:rPr lang="en-US" dirty="0" smtClean="0"/>
-              <a:t> variables)</a:t>
-            </a:r>
-          </a:p>
-          <a:p>
+              <a:t>An object is an </a:t>
+            </a:r>
+            <a:r>
+              <a:rPr lang="en-US" b="1" dirty="0" smtClean="0"/>
+              <a:t>instance</a:t>
+            </a:r>
             <a:r>
               <a:rPr lang="en-US" dirty="0" smtClean="0"/>
-              <a:t>Class variables (also known as static variables)</a:t>
+              <a:t> of a class - it's a concrete 'thing' that you made using a specific </a:t>
+            </a:r>
+            <a:r>
+              <a:rPr lang="en-US" dirty="0" smtClean="0"/>
+              <a:t>class.</a:t>
+            </a:r>
+          </a:p>
+          <a:p>
+            <a:pPr algn="just"/>
+            <a:endParaRPr lang="en-US" dirty="0" smtClean="0"/>
+          </a:p>
+          <a:p>
+            <a:pPr algn="just"/>
+            <a:r>
+              <a:rPr lang="en-US" dirty="0" smtClean="0"/>
+              <a:t>Real-world objects share two characteristics: They all have </a:t>
+            </a:r>
+            <a:r>
+              <a:rPr lang="en-US" i="1" dirty="0" smtClean="0"/>
+              <a:t>state</a:t>
+            </a:r>
+            <a:r>
+              <a:rPr lang="en-US" dirty="0" smtClean="0"/>
+              <a:t> and </a:t>
+            </a:r>
+            <a:r>
+              <a:rPr lang="en-US" i="1" dirty="0" smtClean="0"/>
+              <a:t>behavior</a:t>
+            </a:r>
+            <a:r>
+              <a:rPr lang="en-US" dirty="0" smtClean="0"/>
+              <a:t>. </a:t>
             </a:r>
             <a:endParaRPr lang="ro-RO" dirty="0"/>
           </a:p>
@@ -4749,7 +4789,7 @@
       </p:sp>
       <p:sp>
         <p:nvSpPr>
-          <p:cNvPr id="2" name="Title 1"/>
+          <p:cNvPr id="3" name="Title 2"/>
           <p:cNvSpPr>
             <a:spLocks noGrp="1"/>
           </p:cNvSpPr>
@@ -4763,16 +4803,16 @@
           <a:lstStyle/>
           <a:p>
             <a:r>
-              <a:rPr lang="ro-RO" dirty="0" smtClean="0"/>
-              <a:t>Scope of </a:t>
-            </a:r>
-            <a:r>
               <a:rPr lang="en-US" dirty="0" smtClean="0"/>
-              <a:t>v</a:t>
-            </a:r>
-            <a:r>
-              <a:rPr lang="ro-RO" dirty="0" smtClean="0"/>
-              <a:t>ariables</a:t>
+              <a:t>Class </a:t>
+            </a:r>
+            <a:r>
+              <a:rPr lang="en-US" dirty="0" err="1" smtClean="0"/>
+              <a:t>vs</a:t>
+            </a:r>
+            <a:r>
+              <a:rPr lang="en-US" dirty="0" smtClean="0"/>
+              <a:t> Object</a:t>
             </a:r>
             <a:endParaRPr lang="ro-RO" dirty="0"/>
           </a:p>
@@ -4786,9 +4826,218 @@
   <p:timing>
     <p:tnLst>
       <p:par>
-        <p:cTn id="1" dur="indefinite" restart="never" nodeType="tmRoot"/>
+        <p:cTn id="1" dur="indefinite" restart="never" nodeType="tmRoot">
+          <p:childTnLst>
+            <p:seq concurrent="1" nextAc="seek">
+              <p:cTn id="2" dur="indefinite" nodeType="mainSeq">
+                <p:childTnLst>
+                  <p:par>
+                    <p:cTn id="3" fill="hold">
+                      <p:stCondLst>
+                        <p:cond delay="indefinite"/>
+                      </p:stCondLst>
+                      <p:childTnLst>
+                        <p:par>
+                          <p:cTn id="4" fill="hold">
+                            <p:stCondLst>
+                              <p:cond delay="0"/>
+                            </p:stCondLst>
+                            <p:childTnLst>
+                              <p:par>
+                                <p:cTn id="5" presetID="3" presetClass="entr" presetSubtype="10" fill="hold" grpId="0" nodeType="clickEffect">
+                                  <p:stCondLst>
+                                    <p:cond delay="0"/>
+                                  </p:stCondLst>
+                                  <p:childTnLst>
+                                    <p:set>
+                                      <p:cBhvr>
+                                        <p:cTn id="6" dur="1" fill="hold">
+                                          <p:stCondLst>
+                                            <p:cond delay="0"/>
+                                          </p:stCondLst>
+                                        </p:cTn>
+                                        <p:tgtEl>
+                                          <p:spTgt spid="2">
+                                            <p:txEl>
+                                              <p:pRg st="0" end="0"/>
+                                            </p:txEl>
+                                          </p:spTgt>
+                                        </p:tgtEl>
+                                        <p:attrNameLst>
+                                          <p:attrName>style.visibility</p:attrName>
+                                        </p:attrNameLst>
+                                      </p:cBhvr>
+                                      <p:to>
+                                        <p:strVal val="visible"/>
+                                      </p:to>
+                                    </p:set>
+                                    <p:animEffect transition="in" filter="blinds(horizontal)">
+                                      <p:cBhvr>
+                                        <p:cTn id="7" dur="500"/>
+                                        <p:tgtEl>
+                                          <p:spTgt spid="2">
+                                            <p:txEl>
+                                              <p:pRg st="0" end="0"/>
+                                            </p:txEl>
+                                          </p:spTgt>
+                                        </p:tgtEl>
+                                      </p:cBhvr>
+                                    </p:animEffect>
+                                  </p:childTnLst>
+                                </p:cTn>
+                              </p:par>
+                            </p:childTnLst>
+                          </p:cTn>
+                        </p:par>
+                      </p:childTnLst>
+                    </p:cTn>
+                  </p:par>
+                  <p:par>
+                    <p:cTn id="8" fill="hold">
+                      <p:stCondLst>
+                        <p:cond delay="indefinite"/>
+                      </p:stCondLst>
+                      <p:childTnLst>
+                        <p:par>
+                          <p:cTn id="9" fill="hold">
+                            <p:stCondLst>
+                              <p:cond delay="0"/>
+                            </p:stCondLst>
+                            <p:childTnLst>
+                              <p:par>
+                                <p:cTn id="10" presetID="3" presetClass="entr" presetSubtype="10" fill="hold" grpId="0" nodeType="clickEffect">
+                                  <p:stCondLst>
+                                    <p:cond delay="0"/>
+                                  </p:stCondLst>
+                                  <p:childTnLst>
+                                    <p:set>
+                                      <p:cBhvr>
+                                        <p:cTn id="11" dur="1" fill="hold">
+                                          <p:stCondLst>
+                                            <p:cond delay="0"/>
+                                          </p:stCondLst>
+                                        </p:cTn>
+                                        <p:tgtEl>
+                                          <p:spTgt spid="2">
+                                            <p:txEl>
+                                              <p:pRg st="2" end="2"/>
+                                            </p:txEl>
+                                          </p:spTgt>
+                                        </p:tgtEl>
+                                        <p:attrNameLst>
+                                          <p:attrName>style.visibility</p:attrName>
+                                        </p:attrNameLst>
+                                      </p:cBhvr>
+                                      <p:to>
+                                        <p:strVal val="visible"/>
+                                      </p:to>
+                                    </p:set>
+                                    <p:animEffect transition="in" filter="blinds(horizontal)">
+                                      <p:cBhvr>
+                                        <p:cTn id="12" dur="500"/>
+                                        <p:tgtEl>
+                                          <p:spTgt spid="2">
+                                            <p:txEl>
+                                              <p:pRg st="2" end="2"/>
+                                            </p:txEl>
+                                          </p:spTgt>
+                                        </p:tgtEl>
+                                      </p:cBhvr>
+                                    </p:animEffect>
+                                  </p:childTnLst>
+                                </p:cTn>
+                              </p:par>
+                            </p:childTnLst>
+                          </p:cTn>
+                        </p:par>
+                      </p:childTnLst>
+                    </p:cTn>
+                  </p:par>
+                  <p:par>
+                    <p:cTn id="13" fill="hold">
+                      <p:stCondLst>
+                        <p:cond delay="indefinite"/>
+                      </p:stCondLst>
+                      <p:childTnLst>
+                        <p:par>
+                          <p:cTn id="14" fill="hold">
+                            <p:stCondLst>
+                              <p:cond delay="0"/>
+                            </p:stCondLst>
+                            <p:childTnLst>
+                              <p:par>
+                                <p:cTn id="15" presetID="3" presetClass="entr" presetSubtype="10" fill="hold" grpId="0" nodeType="clickEffect">
+                                  <p:stCondLst>
+                                    <p:cond delay="0"/>
+                                  </p:stCondLst>
+                                  <p:childTnLst>
+                                    <p:set>
+                                      <p:cBhvr>
+                                        <p:cTn id="16" dur="1" fill="hold">
+                                          <p:stCondLst>
+                                            <p:cond delay="0"/>
+                                          </p:stCondLst>
+                                        </p:cTn>
+                                        <p:tgtEl>
+                                          <p:spTgt spid="2">
+                                            <p:txEl>
+                                              <p:pRg st="4" end="4"/>
+                                            </p:txEl>
+                                          </p:spTgt>
+                                        </p:tgtEl>
+                                        <p:attrNameLst>
+                                          <p:attrName>style.visibility</p:attrName>
+                                        </p:attrNameLst>
+                                      </p:cBhvr>
+                                      <p:to>
+                                        <p:strVal val="visible"/>
+                                      </p:to>
+                                    </p:set>
+                                    <p:animEffect transition="in" filter="blinds(horizontal)">
+                                      <p:cBhvr>
+                                        <p:cTn id="17" dur="500"/>
+                                        <p:tgtEl>
+                                          <p:spTgt spid="2">
+                                            <p:txEl>
+                                              <p:pRg st="4" end="4"/>
+                                            </p:txEl>
+                                          </p:spTgt>
+                                        </p:tgtEl>
+                                      </p:cBhvr>
+                                    </p:animEffect>
+                                  </p:childTnLst>
+                                </p:cTn>
+                              </p:par>
+                            </p:childTnLst>
+                          </p:cTn>
+                        </p:par>
+                      </p:childTnLst>
+                    </p:cTn>
+                  </p:par>
+                </p:childTnLst>
+              </p:cTn>
+              <p:prevCondLst>
+                <p:cond evt="onPrev" delay="0">
+                  <p:tgtEl>
+                    <p:sldTgt/>
+                  </p:tgtEl>
+                </p:cond>
+              </p:prevCondLst>
+              <p:nextCondLst>
+                <p:cond evt="onNext" delay="0">
+                  <p:tgtEl>
+                    <p:sldTgt/>
+                  </p:tgtEl>
+                </p:cond>
+              </p:nextCondLst>
+            </p:seq>
+          </p:childTnLst>
+        </p:cTn>
       </p:par>
     </p:tnLst>
+    <p:bldLst>
+      <p:bldP spid="2" grpId="0" build="p"/>
+    </p:bldLst>
   </p:timing>
 </p:sld>
 </file>
@@ -4812,7 +5061,7 @@
       </p:grpSpPr>
       <p:sp>
         <p:nvSpPr>
-          <p:cNvPr id="2" name="Content Placeholder 1"/>
+          <p:cNvPr id="3" name="Content Placeholder 2"/>
           <p:cNvSpPr>
             <a:spLocks noGrp="1"/>
           </p:cNvSpPr>
@@ -4822,71 +5071,71 @@
         </p:nvSpPr>
         <p:spPr/>
         <p:txBody>
-          <a:bodyPr>
-            <a:normAutofit fontScale="92500" lnSpcReduction="10000"/>
-          </a:bodyPr>
+          <a:bodyPr/>
           <a:lstStyle/>
           <a:p>
-            <a:pPr algn="just"/>
             <a:r>
               <a:rPr lang="en-US" dirty="0" smtClean="0"/>
-              <a:t>Local variables are defined within a method and are normally used to store the intermediate results of a calculation.</a:t>
-            </a:r>
-          </a:p>
-          <a:p>
-            <a:pPr algn="just"/>
+              <a:t>Local variables (also known as method-local variables)</a:t>
+            </a:r>
+          </a:p>
+          <a:p>
             <a:r>
               <a:rPr lang="en-US" dirty="0" smtClean="0"/>
-              <a:t>Method parameters are used to pass values to a method. These values can be manipulated and may also be stored as the state of an object by assigning them </a:t>
-            </a:r>
+              <a:t>Method parameters (also known as method arguments)</a:t>
+            </a:r>
+          </a:p>
+          <a:p>
+            <a:r>
+              <a:rPr lang="en-US" dirty="0" smtClean="0"/>
+              <a:t>Instance variables (also known as attributes, fields, and </a:t>
+            </a:r>
+            <a:r>
+              <a:rPr lang="en-US" dirty="0" err="1" smtClean="0"/>
+              <a:t>nonstatic</a:t>
+            </a:r>
+            <a:r>
+              <a:rPr lang="en-US" dirty="0" smtClean="0"/>
+              <a:t> variables)</a:t>
+            </a:r>
+          </a:p>
+          <a:p>
+            <a:r>
+              <a:rPr lang="en-US" dirty="0" smtClean="0"/>
+              <a:t>Class variables (also known as static variables)</a:t>
+            </a:r>
+            <a:endParaRPr lang="ro-RO" dirty="0"/>
+          </a:p>
+        </p:txBody>
+      </p:sp>
+      <p:sp>
+        <p:nvSpPr>
+          <p:cNvPr id="2" name="Title 1"/>
+          <p:cNvSpPr>
+            <a:spLocks noGrp="1"/>
+          </p:cNvSpPr>
+          <p:nvPr>
+            <p:ph type="title"/>
+          </p:nvPr>
+        </p:nvSpPr>
+        <p:spPr/>
+        <p:txBody>
+          <a:bodyPr/>
+          <a:lstStyle/>
+          <a:p>
             <a:r>
               <a:rPr lang="ro-RO" dirty="0" smtClean="0"/>
-              <a:t>to instance variables.</a:t>
-            </a:r>
-          </a:p>
-          <a:p>
-            <a:pPr algn="just"/>
+              <a:t>Scope of </a:t>
+            </a:r>
             <a:r>
               <a:rPr lang="en-US" dirty="0" smtClean="0"/>
-              <a:t>Instance variables are used to store the state of an object. These are the values that need to be accessed by multiple methods.</a:t>
-            </a:r>
-          </a:p>
-          <a:p>
-            <a:pPr algn="just"/>
-            <a:r>
-              <a:rPr lang="en-US" dirty="0" smtClean="0"/>
-              <a:t>Class variables are used to store values that should be shared by all the objects </a:t>
+              <a:t>v</a:t>
             </a:r>
             <a:r>
               <a:rPr lang="ro-RO" dirty="0" smtClean="0"/>
-              <a:t>of a class.</a:t>
+              <a:t>ariables</a:t>
             </a:r>
             <a:endParaRPr lang="ro-RO" dirty="0"/>
-          </a:p>
-        </p:txBody>
-      </p:sp>
-      <p:sp>
-        <p:nvSpPr>
-          <p:cNvPr id="3" name="Title 2"/>
-          <p:cNvSpPr>
-            <a:spLocks noGrp="1"/>
-          </p:cNvSpPr>
-          <p:nvPr>
-            <p:ph type="title"/>
-          </p:nvPr>
-        </p:nvSpPr>
-        <p:spPr/>
-        <p:txBody>
-          <a:bodyPr>
-            <a:normAutofit/>
-          </a:bodyPr>
-          <a:lstStyle/>
-          <a:p>
-            <a:r>
-              <a:rPr lang="en-US" sz="3200" dirty="0" smtClean="0"/>
-              <a:t>COMPARING THE USE OF VARIABLES IN DIFFERENT SCOPES</a:t>
-            </a:r>
-            <a:endParaRPr lang="ro-RO" sz="3200" dirty="0"/>
           </a:p>
         </p:txBody>
       </p:sp>
@@ -4898,9 +5147,279 @@
   <p:timing>
     <p:tnLst>
       <p:par>
-        <p:cTn id="1" dur="indefinite" restart="never" nodeType="tmRoot"/>
+        <p:cTn id="1" dur="indefinite" restart="never" nodeType="tmRoot">
+          <p:childTnLst>
+            <p:seq concurrent="1" nextAc="seek">
+              <p:cTn id="2" dur="indefinite" nodeType="mainSeq">
+                <p:childTnLst>
+                  <p:par>
+                    <p:cTn id="3" fill="hold">
+                      <p:stCondLst>
+                        <p:cond delay="indefinite"/>
+                      </p:stCondLst>
+                      <p:childTnLst>
+                        <p:par>
+                          <p:cTn id="4" fill="hold">
+                            <p:stCondLst>
+                              <p:cond delay="0"/>
+                            </p:stCondLst>
+                            <p:childTnLst>
+                              <p:par>
+                                <p:cTn id="5" presetID="3" presetClass="entr" presetSubtype="10" fill="hold" grpId="0" nodeType="clickEffect">
+                                  <p:stCondLst>
+                                    <p:cond delay="0"/>
+                                  </p:stCondLst>
+                                  <p:childTnLst>
+                                    <p:set>
+                                      <p:cBhvr>
+                                        <p:cTn id="6" dur="1" fill="hold">
+                                          <p:stCondLst>
+                                            <p:cond delay="0"/>
+                                          </p:stCondLst>
+                                        </p:cTn>
+                                        <p:tgtEl>
+                                          <p:spTgt spid="3">
+                                            <p:txEl>
+                                              <p:pRg st="0" end="0"/>
+                                            </p:txEl>
+                                          </p:spTgt>
+                                        </p:tgtEl>
+                                        <p:attrNameLst>
+                                          <p:attrName>style.visibility</p:attrName>
+                                        </p:attrNameLst>
+                                      </p:cBhvr>
+                                      <p:to>
+                                        <p:strVal val="visible"/>
+                                      </p:to>
+                                    </p:set>
+                                    <p:animEffect transition="in" filter="blinds(horizontal)">
+                                      <p:cBhvr>
+                                        <p:cTn id="7" dur="500"/>
+                                        <p:tgtEl>
+                                          <p:spTgt spid="3">
+                                            <p:txEl>
+                                              <p:pRg st="0" end="0"/>
+                                            </p:txEl>
+                                          </p:spTgt>
+                                        </p:tgtEl>
+                                      </p:cBhvr>
+                                    </p:animEffect>
+                                  </p:childTnLst>
+                                </p:cTn>
+                              </p:par>
+                            </p:childTnLst>
+                          </p:cTn>
+                        </p:par>
+                      </p:childTnLst>
+                    </p:cTn>
+                  </p:par>
+                  <p:par>
+                    <p:cTn id="8" fill="hold">
+                      <p:stCondLst>
+                        <p:cond delay="indefinite"/>
+                      </p:stCondLst>
+                      <p:childTnLst>
+                        <p:par>
+                          <p:cTn id="9" fill="hold">
+                            <p:stCondLst>
+                              <p:cond delay="0"/>
+                            </p:stCondLst>
+                            <p:childTnLst>
+                              <p:par>
+                                <p:cTn id="10" presetID="3" presetClass="entr" presetSubtype="10" fill="hold" grpId="0" nodeType="clickEffect">
+                                  <p:stCondLst>
+                                    <p:cond delay="0"/>
+                                  </p:stCondLst>
+                                  <p:childTnLst>
+                                    <p:set>
+                                      <p:cBhvr>
+                                        <p:cTn id="11" dur="1" fill="hold">
+                                          <p:stCondLst>
+                                            <p:cond delay="0"/>
+                                          </p:stCondLst>
+                                        </p:cTn>
+                                        <p:tgtEl>
+                                          <p:spTgt spid="3">
+                                            <p:txEl>
+                                              <p:pRg st="1" end="1"/>
+                                            </p:txEl>
+                                          </p:spTgt>
+                                        </p:tgtEl>
+                                        <p:attrNameLst>
+                                          <p:attrName>style.visibility</p:attrName>
+                                        </p:attrNameLst>
+                                      </p:cBhvr>
+                                      <p:to>
+                                        <p:strVal val="visible"/>
+                                      </p:to>
+                                    </p:set>
+                                    <p:animEffect transition="in" filter="blinds(horizontal)">
+                                      <p:cBhvr>
+                                        <p:cTn id="12" dur="500"/>
+                                        <p:tgtEl>
+                                          <p:spTgt spid="3">
+                                            <p:txEl>
+                                              <p:pRg st="1" end="1"/>
+                                            </p:txEl>
+                                          </p:spTgt>
+                                        </p:tgtEl>
+                                      </p:cBhvr>
+                                    </p:animEffect>
+                                  </p:childTnLst>
+                                </p:cTn>
+                              </p:par>
+                            </p:childTnLst>
+                          </p:cTn>
+                        </p:par>
+                      </p:childTnLst>
+                    </p:cTn>
+                  </p:par>
+                  <p:par>
+                    <p:cTn id="13" fill="hold">
+                      <p:stCondLst>
+                        <p:cond delay="indefinite"/>
+                      </p:stCondLst>
+                      <p:childTnLst>
+                        <p:par>
+                          <p:cTn id="14" fill="hold">
+                            <p:stCondLst>
+                              <p:cond delay="0"/>
+                            </p:stCondLst>
+                            <p:childTnLst>
+                              <p:par>
+                                <p:cTn id="15" presetID="3" presetClass="entr" presetSubtype="10" fill="hold" grpId="0" nodeType="clickEffect">
+                                  <p:stCondLst>
+                                    <p:cond delay="0"/>
+                                  </p:stCondLst>
+                                  <p:childTnLst>
+                                    <p:set>
+                                      <p:cBhvr>
+                                        <p:cTn id="16" dur="1" fill="hold">
+                                          <p:stCondLst>
+                                            <p:cond delay="0"/>
+                                          </p:stCondLst>
+                                        </p:cTn>
+                                        <p:tgtEl>
+                                          <p:spTgt spid="3">
+                                            <p:txEl>
+                                              <p:pRg st="2" end="2"/>
+                                            </p:txEl>
+                                          </p:spTgt>
+                                        </p:tgtEl>
+                                        <p:attrNameLst>
+                                          <p:attrName>style.visibility</p:attrName>
+                                        </p:attrNameLst>
+                                      </p:cBhvr>
+                                      <p:to>
+                                        <p:strVal val="visible"/>
+                                      </p:to>
+                                    </p:set>
+                                    <p:animEffect transition="in" filter="blinds(horizontal)">
+                                      <p:cBhvr>
+                                        <p:cTn id="17" dur="500"/>
+                                        <p:tgtEl>
+                                          <p:spTgt spid="3">
+                                            <p:txEl>
+                                              <p:pRg st="2" end="2"/>
+                                            </p:txEl>
+                                          </p:spTgt>
+                                        </p:tgtEl>
+                                      </p:cBhvr>
+                                    </p:animEffect>
+                                  </p:childTnLst>
+                                </p:cTn>
+                              </p:par>
+                            </p:childTnLst>
+                          </p:cTn>
+                        </p:par>
+                      </p:childTnLst>
+                    </p:cTn>
+                  </p:par>
+                  <p:par>
+                    <p:cTn id="18" fill="hold">
+                      <p:stCondLst>
+                        <p:cond delay="indefinite"/>
+                      </p:stCondLst>
+                      <p:childTnLst>
+                        <p:par>
+                          <p:cTn id="19" fill="hold">
+                            <p:stCondLst>
+                              <p:cond delay="0"/>
+                            </p:stCondLst>
+                            <p:childTnLst>
+                              <p:par>
+                                <p:cTn id="20" presetID="3" presetClass="entr" presetSubtype="10" fill="hold" grpId="0" nodeType="clickEffect">
+                                  <p:stCondLst>
+                                    <p:cond delay="0"/>
+                                  </p:stCondLst>
+                                  <p:childTnLst>
+                                    <p:set>
+                                      <p:cBhvr>
+                                        <p:cTn id="21" dur="1" fill="hold">
+                                          <p:stCondLst>
+                                            <p:cond delay="0"/>
+                                          </p:stCondLst>
+                                        </p:cTn>
+                                        <p:tgtEl>
+                                          <p:spTgt spid="3">
+                                            <p:txEl>
+                                              <p:pRg st="3" end="3"/>
+                                            </p:txEl>
+                                          </p:spTgt>
+                                        </p:tgtEl>
+                                        <p:attrNameLst>
+                                          <p:attrName>style.visibility</p:attrName>
+                                        </p:attrNameLst>
+                                      </p:cBhvr>
+                                      <p:to>
+                                        <p:strVal val="visible"/>
+                                      </p:to>
+                                    </p:set>
+                                    <p:animEffect transition="in" filter="blinds(horizontal)">
+                                      <p:cBhvr>
+                                        <p:cTn id="22" dur="500"/>
+                                        <p:tgtEl>
+                                          <p:spTgt spid="3">
+                                            <p:txEl>
+                                              <p:pRg st="3" end="3"/>
+                                            </p:txEl>
+                                          </p:spTgt>
+                                        </p:tgtEl>
+                                      </p:cBhvr>
+                                    </p:animEffect>
+                                  </p:childTnLst>
+                                </p:cTn>
+                              </p:par>
+                            </p:childTnLst>
+                          </p:cTn>
+                        </p:par>
+                      </p:childTnLst>
+                    </p:cTn>
+                  </p:par>
+                </p:childTnLst>
+              </p:cTn>
+              <p:prevCondLst>
+                <p:cond evt="onPrev" delay="0">
+                  <p:tgtEl>
+                    <p:sldTgt/>
+                  </p:tgtEl>
+                </p:cond>
+              </p:prevCondLst>
+              <p:nextCondLst>
+                <p:cond evt="onNext" delay="0">
+                  <p:tgtEl>
+                    <p:sldTgt/>
+                  </p:tgtEl>
+                </p:cond>
+              </p:nextCondLst>
+            </p:seq>
+          </p:childTnLst>
+        </p:cTn>
       </p:par>
     </p:tnLst>
+    <p:bldLst>
+      <p:bldP spid="3" grpId="0" build="p"/>
+    </p:bldLst>
   </p:timing>
 </p:sld>
 </file>
@@ -4935,41 +5454,43 @@
         <p:spPr/>
         <p:txBody>
           <a:bodyPr>
-            <a:normAutofit lnSpcReduction="10000"/>
+            <a:normAutofit fontScale="92500" lnSpcReduction="10000"/>
           </a:bodyPr>
           <a:lstStyle/>
           <a:p>
             <a:pPr algn="just"/>
             <a:r>
               <a:rPr lang="en-US" dirty="0" smtClean="0"/>
-              <a:t>Java doesn’t allow you to allocate or </a:t>
-            </a:r>
-            <a:r>
-              <a:rPr lang="en-US" dirty="0" err="1" smtClean="0"/>
-              <a:t>deallocate</a:t>
-            </a:r>
+              <a:t>Local variables are defined within a method and are normally used to store the intermediate results of a calculation.</a:t>
+            </a:r>
+          </a:p>
+          <a:p>
+            <a:pPr algn="just"/>
             <a:r>
               <a:rPr lang="en-US" dirty="0" smtClean="0"/>
-              <a:t> memory yourself when you create or destroy objects</a:t>
+              <a:t>Method parameters are used to pass values to a method. These values can be manipulated and may also be stored as the state of an object by assigning them </a:t>
+            </a:r>
+            <a:r>
+              <a:rPr lang="ro-RO" dirty="0" smtClean="0"/>
+              <a:t>to instance variables.</a:t>
             </a:r>
           </a:p>
           <a:p>
             <a:pPr algn="just"/>
             <a:r>
               <a:rPr lang="en-US" dirty="0" smtClean="0"/>
-              <a:t>The task of reclaiming unused memory is taken care of by Java’s garbage collector, which is a low-priority thread. It runs periodically and frees up space occupied by </a:t>
+              <a:t>Instance variables are used to store the state of an object. These are the values that need to be accessed by multiple methods.</a:t>
+            </a:r>
+          </a:p>
+          <a:p>
+            <a:pPr algn="just"/>
+            <a:r>
+              <a:rPr lang="en-US" dirty="0" smtClean="0"/>
+              <a:t>Class variables are used to store values that should be shared by all the objects </a:t>
             </a:r>
             <a:r>
               <a:rPr lang="ro-RO" dirty="0" smtClean="0"/>
-              <a:t>unused objects.</a:t>
-            </a:r>
-            <a:endParaRPr lang="en-US" dirty="0" smtClean="0"/>
-          </a:p>
-          <a:p>
-            <a:pPr algn="just"/>
-            <a:r>
-              <a:rPr lang="en-US" dirty="0" smtClean="0"/>
-              <a:t>An object’s life cycle starts when it’s created and lasts until it goes out of its scope or is no longer referenced by a variable.</a:t>
+              <a:t>of a class.</a:t>
             </a:r>
             <a:endParaRPr lang="ro-RO" dirty="0"/>
           </a:p>
@@ -4987,14 +5508,16 @@
         </p:nvSpPr>
         <p:spPr/>
         <p:txBody>
-          <a:bodyPr/>
+          <a:bodyPr>
+            <a:normAutofit/>
+          </a:bodyPr>
           <a:lstStyle/>
           <a:p>
             <a:r>
-              <a:rPr lang="ro-RO" dirty="0" smtClean="0"/>
-              <a:t>Object’s life cycle</a:t>
-            </a:r>
-            <a:endParaRPr lang="ro-RO" dirty="0"/>
+              <a:rPr lang="en-US" sz="3200" dirty="0" smtClean="0"/>
+              <a:t>COMPARING THE USE OF VARIABLES IN DIFFERENT SCOPES</a:t>
+            </a:r>
+            <a:endParaRPr lang="ro-RO" sz="3200" dirty="0"/>
           </a:p>
         </p:txBody>
       </p:sp>
@@ -5042,10 +5565,44 @@
         </p:nvSpPr>
         <p:spPr/>
         <p:txBody>
-          <a:bodyPr/>
+          <a:bodyPr>
+            <a:normAutofit lnSpcReduction="10000"/>
+          </a:bodyPr>
           <a:lstStyle/>
           <a:p>
-            <a:endParaRPr lang="ro-RO"/>
+            <a:pPr algn="just"/>
+            <a:r>
+              <a:rPr lang="en-US" dirty="0" smtClean="0"/>
+              <a:t>Java doesn’t allow you to allocate or </a:t>
+            </a:r>
+            <a:r>
+              <a:rPr lang="en-US" dirty="0" err="1" smtClean="0"/>
+              <a:t>deallocate</a:t>
+            </a:r>
+            <a:r>
+              <a:rPr lang="en-US" dirty="0" smtClean="0"/>
+              <a:t> memory yourself when you create or destroy objects</a:t>
+            </a:r>
+          </a:p>
+          <a:p>
+            <a:pPr algn="just"/>
+            <a:r>
+              <a:rPr lang="en-US" dirty="0" smtClean="0"/>
+              <a:t>The task of reclaiming unused memory is taken care of by Java’s garbage collector, which is a low-priority thread. It runs periodically and frees up space occupied by </a:t>
+            </a:r>
+            <a:r>
+              <a:rPr lang="ro-RO" dirty="0" smtClean="0"/>
+              <a:t>unused objects.</a:t>
+            </a:r>
+            <a:endParaRPr lang="en-US" dirty="0" smtClean="0"/>
+          </a:p>
+          <a:p>
+            <a:pPr algn="just"/>
+            <a:r>
+              <a:rPr lang="en-US" dirty="0" smtClean="0"/>
+              <a:t>An object’s life cycle starts when it’s created and lasts until it goes out of its scope or is no longer referenced by a variable.</a:t>
+            </a:r>
+            <a:endParaRPr lang="ro-RO" dirty="0"/>
           </a:p>
         </p:txBody>
       </p:sp>
@@ -5116,14 +5673,33 @@
         </p:nvSpPr>
         <p:spPr/>
         <p:txBody>
-          <a:bodyPr>
-            <a:normAutofit/>
-          </a:bodyPr>
+          <a:bodyPr/>
           <a:lstStyle/>
           <a:p>
+            <a:pPr algn="just"/>
+            <a:r>
+              <a:rPr lang="ro-RO" b="1" i="1" dirty="0" smtClean="0"/>
+              <a:t>An object is </a:t>
+            </a:r>
+            <a:r>
+              <a:rPr lang="ro-RO" b="1" i="1" dirty="0" smtClean="0"/>
+              <a:t>born</a:t>
+            </a:r>
+            <a:r>
+              <a:rPr lang="en-US" b="1" i="1" dirty="0" smtClean="0"/>
+              <a:t>: </a:t>
+            </a:r>
             <a:r>
               <a:rPr lang="en-US" dirty="0" smtClean="0"/>
-              <a:t>In java, garbage means unreferenced objects</a:t>
+              <a:t>An object comes into the picture when you use the keyword operator new. You can </a:t>
+            </a:r>
+            <a:r>
+              <a:rPr lang="en-US" dirty="0" smtClean="0"/>
+              <a:t>initialize a </a:t>
+            </a:r>
+            <a:r>
+              <a:rPr lang="en-US" dirty="0" smtClean="0"/>
+              <a:t>reference variable with this object</a:t>
             </a:r>
             <a:r>
               <a:rPr lang="en-US" dirty="0" smtClean="0"/>
@@ -5137,12 +5713,20 @@
           <a:p>
             <a:pPr algn="just"/>
             <a:r>
+              <a:rPr lang="ro-RO" b="1" i="1" dirty="0" smtClean="0"/>
+              <a:t>Object is </a:t>
+            </a:r>
+            <a:r>
+              <a:rPr lang="ro-RO" b="1" i="1" dirty="0" smtClean="0"/>
+              <a:t>accessible</a:t>
+            </a:r>
+            <a:r>
+              <a:rPr lang="en-US" b="1" i="1" dirty="0" smtClean="0"/>
+              <a:t>: </a:t>
+            </a:r>
+            <a:r>
               <a:rPr lang="en-US" dirty="0" smtClean="0"/>
-              <a:t>Garbage </a:t>
-            </a:r>
-            <a:r>
-              <a:rPr lang="en-US" dirty="0" smtClean="0"/>
-              <a:t>Collection is process of reclaiming the runtime unused memory automatically</a:t>
+              <a:t>Once an object is created, it can be accessed using its reference variable</a:t>
             </a:r>
             <a:r>
               <a:rPr lang="en-US" dirty="0" smtClean="0"/>
@@ -5156,12 +5740,20 @@
           <a:p>
             <a:pPr algn="just"/>
             <a:r>
-              <a:rPr lang="en-US" dirty="0" smtClean="0"/>
-              <a:t>Automatic garbage collection is the process of looking at heap memory, identifying which objects are in use and which are not, and deleting the unused objects</a:t>
-            </a:r>
-            <a:r>
-              <a:rPr lang="en-US" dirty="0" smtClean="0"/>
-              <a:t>.</a:t>
+              <a:rPr lang="ro-RO" b="1" i="1" dirty="0" smtClean="0"/>
+              <a:t>Object is </a:t>
+            </a:r>
+            <a:r>
+              <a:rPr lang="ro-RO" b="1" i="1" dirty="0" smtClean="0"/>
+              <a:t>inaccessible</a:t>
+            </a:r>
+            <a:r>
+              <a:rPr lang="en-US" b="1" i="1" dirty="0" smtClean="0"/>
+              <a:t>: </a:t>
+            </a:r>
+            <a:r>
+              <a:rPr lang="en-US" sz="2800" dirty="0" smtClean="0"/>
+              <a:t>Unreferenced objects.</a:t>
             </a:r>
             <a:endParaRPr lang="ro-RO" dirty="0"/>
           </a:p>
@@ -5183,8 +5775,8 @@
           <a:lstStyle/>
           <a:p>
             <a:r>
-              <a:rPr lang="en-US" dirty="0" smtClean="0"/>
-              <a:t>Garbage Collector</a:t>
+              <a:rPr lang="ro-RO" dirty="0" smtClean="0"/>
+              <a:t>Object’s life cycle</a:t>
             </a:r>
             <a:endParaRPr lang="ro-RO" dirty="0"/>
           </a:p>
@@ -5195,6 +5787,222 @@
   <p:clrMapOvr>
     <a:masterClrMapping/>
   </p:clrMapOvr>
+  <p:timing>
+    <p:tnLst>
+      <p:par>
+        <p:cTn id="1" dur="indefinite" restart="never" nodeType="tmRoot">
+          <p:childTnLst>
+            <p:seq concurrent="1" nextAc="seek">
+              <p:cTn id="2" dur="indefinite" nodeType="mainSeq">
+                <p:childTnLst>
+                  <p:par>
+                    <p:cTn id="3" fill="hold">
+                      <p:stCondLst>
+                        <p:cond delay="indefinite"/>
+                      </p:stCondLst>
+                      <p:childTnLst>
+                        <p:par>
+                          <p:cTn id="4" fill="hold">
+                            <p:stCondLst>
+                              <p:cond delay="0"/>
+                            </p:stCondLst>
+                            <p:childTnLst>
+                              <p:par>
+                                <p:cTn id="5" presetID="3" presetClass="entr" presetSubtype="10" fill="hold" grpId="0" nodeType="clickEffect">
+                                  <p:stCondLst>
+                                    <p:cond delay="0"/>
+                                  </p:stCondLst>
+                                  <p:childTnLst>
+                                    <p:set>
+                                      <p:cBhvr>
+                                        <p:cTn id="6" dur="1" fill="hold">
+                                          <p:stCondLst>
+                                            <p:cond delay="0"/>
+                                          </p:stCondLst>
+                                        </p:cTn>
+                                        <p:tgtEl>
+                                          <p:spTgt spid="2">
+                                            <p:txEl>
+                                              <p:pRg st="0" end="0"/>
+                                            </p:txEl>
+                                          </p:spTgt>
+                                        </p:tgtEl>
+                                        <p:attrNameLst>
+                                          <p:attrName>style.visibility</p:attrName>
+                                        </p:attrNameLst>
+                                      </p:cBhvr>
+                                      <p:to>
+                                        <p:strVal val="visible"/>
+                                      </p:to>
+                                    </p:set>
+                                    <p:animEffect transition="in" filter="blinds(horizontal)">
+                                      <p:cBhvr>
+                                        <p:cTn id="7" dur="500"/>
+                                        <p:tgtEl>
+                                          <p:spTgt spid="2">
+                                            <p:txEl>
+                                              <p:pRg st="0" end="0"/>
+                                            </p:txEl>
+                                          </p:spTgt>
+                                        </p:tgtEl>
+                                      </p:cBhvr>
+                                    </p:animEffect>
+                                  </p:childTnLst>
+                                </p:cTn>
+                              </p:par>
+                            </p:childTnLst>
+                          </p:cTn>
+                        </p:par>
+                      </p:childTnLst>
+                    </p:cTn>
+                  </p:par>
+                  <p:par>
+                    <p:cTn id="8" fill="hold">
+                      <p:stCondLst>
+                        <p:cond delay="indefinite"/>
+                      </p:stCondLst>
+                      <p:childTnLst>
+                        <p:par>
+                          <p:cTn id="9" fill="hold">
+                            <p:stCondLst>
+                              <p:cond delay="0"/>
+                            </p:stCondLst>
+                            <p:childTnLst>
+                              <p:par>
+                                <p:cTn id="10" presetID="3" presetClass="entr" presetSubtype="10" fill="hold" grpId="0" nodeType="clickEffect">
+                                  <p:stCondLst>
+                                    <p:cond delay="0"/>
+                                  </p:stCondLst>
+                                  <p:childTnLst>
+                                    <p:set>
+                                      <p:cBhvr>
+                                        <p:cTn id="11" dur="1" fill="hold">
+                                          <p:stCondLst>
+                                            <p:cond delay="0"/>
+                                          </p:stCondLst>
+                                        </p:cTn>
+                                        <p:tgtEl>
+                                          <p:spTgt spid="2">
+                                            <p:txEl>
+                                              <p:pRg st="2" end="2"/>
+                                            </p:txEl>
+                                          </p:spTgt>
+                                        </p:tgtEl>
+                                        <p:attrNameLst>
+                                          <p:attrName>style.visibility</p:attrName>
+                                        </p:attrNameLst>
+                                      </p:cBhvr>
+                                      <p:to>
+                                        <p:strVal val="visible"/>
+                                      </p:to>
+                                    </p:set>
+                                    <p:animEffect transition="in" filter="blinds(horizontal)">
+                                      <p:cBhvr>
+                                        <p:cTn id="12" dur="500"/>
+                                        <p:tgtEl>
+                                          <p:spTgt spid="2">
+                                            <p:txEl>
+                                              <p:pRg st="2" end="2"/>
+                                            </p:txEl>
+                                          </p:spTgt>
+                                        </p:tgtEl>
+                                      </p:cBhvr>
+                                    </p:animEffect>
+                                  </p:childTnLst>
+                                </p:cTn>
+                              </p:par>
+                            </p:childTnLst>
+                          </p:cTn>
+                        </p:par>
+                      </p:childTnLst>
+                    </p:cTn>
+                  </p:par>
+                  <p:par>
+                    <p:cTn id="13" fill="hold">
+                      <p:stCondLst>
+                        <p:cond delay="indefinite"/>
+                      </p:stCondLst>
+                      <p:childTnLst>
+                        <p:par>
+                          <p:cTn id="14" fill="hold">
+                            <p:stCondLst>
+                              <p:cond delay="0"/>
+                            </p:stCondLst>
+                            <p:childTnLst>
+                              <p:par>
+                                <p:cTn id="15" presetID="3" presetClass="entr" presetSubtype="10" fill="hold" grpId="0" nodeType="clickEffect">
+                                  <p:stCondLst>
+                                    <p:cond delay="0"/>
+                                  </p:stCondLst>
+                                  <p:childTnLst>
+                                    <p:set>
+                                      <p:cBhvr>
+                                        <p:cTn id="16" dur="1" fill="hold">
+                                          <p:stCondLst>
+                                            <p:cond delay="0"/>
+                                          </p:stCondLst>
+                                        </p:cTn>
+                                        <p:tgtEl>
+                                          <p:spTgt spid="2">
+                                            <p:txEl>
+                                              <p:pRg st="4" end="4"/>
+                                            </p:txEl>
+                                          </p:spTgt>
+                                        </p:tgtEl>
+                                        <p:attrNameLst>
+                                          <p:attrName>style.visibility</p:attrName>
+                                        </p:attrNameLst>
+                                      </p:cBhvr>
+                                      <p:to>
+                                        <p:strVal val="visible"/>
+                                      </p:to>
+                                    </p:set>
+                                    <p:animEffect transition="in" filter="blinds(horizontal)">
+                                      <p:cBhvr>
+                                        <p:cTn id="17" dur="500"/>
+                                        <p:tgtEl>
+                                          <p:spTgt spid="2">
+                                            <p:txEl>
+                                              <p:pRg st="4" end="4"/>
+                                            </p:txEl>
+                                          </p:spTgt>
+                                        </p:tgtEl>
+                                      </p:cBhvr>
+                                    </p:animEffect>
+                                  </p:childTnLst>
+                                </p:cTn>
+                              </p:par>
+                            </p:childTnLst>
+                          </p:cTn>
+                        </p:par>
+                      </p:childTnLst>
+                    </p:cTn>
+                  </p:par>
+                </p:childTnLst>
+              </p:cTn>
+              <p:prevCondLst>
+                <p:cond evt="onPrev" delay="0">
+                  <p:tgtEl>
+                    <p:sldTgt/>
+                  </p:tgtEl>
+                </p:cond>
+              </p:prevCondLst>
+              <p:nextCondLst>
+                <p:cond evt="onNext" delay="0">
+                  <p:tgtEl>
+                    <p:sldTgt/>
+                  </p:tgtEl>
+                </p:cond>
+              </p:nextCondLst>
+            </p:seq>
+          </p:childTnLst>
+        </p:cTn>
+      </p:par>
+    </p:tnLst>
+    <p:bldLst>
+      <p:bldP spid="2" grpId="0" build="p"/>
+    </p:bldLst>
+  </p:timing>
 </p:sld>
 </file>
 
@@ -5251,11 +6059,7 @@
             </a:pPr>
             <a:r>
               <a:rPr lang="en-US" dirty="0" smtClean="0"/>
-              <a:t>Employee</a:t>
-            </a:r>
-            <a:r>
-              <a:rPr lang="en-US" dirty="0" smtClean="0"/>
-              <a:t> e=new Employee();  </a:t>
+              <a:t>Employee e=new Employee();  </a:t>
             </a:r>
           </a:p>
           <a:p>
@@ -5264,11 +6068,7 @@
             </a:pPr>
             <a:r>
               <a:rPr lang="en-US" dirty="0" smtClean="0"/>
-              <a:t>e=null</a:t>
-            </a:r>
-            <a:r>
-              <a:rPr lang="en-US" dirty="0" smtClean="0"/>
-              <a:t>;</a:t>
+              <a:t>e=null;</a:t>
             </a:r>
           </a:p>
           <a:p>
@@ -5283,11 +6083,7 @@
           <a:p>
             <a:r>
               <a:rPr lang="en-US" b="1" dirty="0" smtClean="0"/>
-              <a:t>By </a:t>
-            </a:r>
-            <a:r>
-              <a:rPr lang="en-US" b="1" dirty="0" smtClean="0"/>
-              <a:t>assigning a reference to another:</a:t>
+              <a:t>By assigning a reference to another:</a:t>
             </a:r>
           </a:p>
           <a:p>
@@ -5314,11 +6110,7 @@
             </a:pPr>
             <a:r>
               <a:rPr lang="en-US" dirty="0" smtClean="0"/>
-              <a:t>e1=e2</a:t>
-            </a:r>
-            <a:r>
-              <a:rPr lang="en-US" dirty="0" smtClean="0"/>
-              <a:t>;</a:t>
+              <a:t>e1=e2;</a:t>
             </a:r>
           </a:p>
           <a:p>
@@ -5379,15 +6171,7 @@
           <a:p>
             <a:r>
               <a:rPr lang="en-US" sz="3600" dirty="0" smtClean="0"/>
-              <a:t>How can an object </a:t>
-            </a:r>
-            <a:r>
-              <a:rPr lang="en-US" sz="3600" dirty="0" smtClean="0"/>
-              <a:t>be unreferenced</a:t>
-            </a:r>
-            <a:r>
-              <a:rPr lang="en-US" sz="3600" dirty="0" smtClean="0"/>
-              <a:t>?</a:t>
+              <a:t>How can an object be unreferenced?</a:t>
             </a:r>
             <a:r>
               <a:rPr lang="en-US" dirty="0" smtClean="0"/>
@@ -5405,10 +6189,856 @@
   <p:clrMapOvr>
     <a:masterClrMapping/>
   </p:clrMapOvr>
+  <p:timing>
+    <p:tnLst>
+      <p:par>
+        <p:cTn id="1" dur="indefinite" restart="never" nodeType="tmRoot">
+          <p:childTnLst>
+            <p:seq concurrent="1" nextAc="seek">
+              <p:cTn id="2" dur="indefinite" nodeType="mainSeq">
+                <p:childTnLst>
+                  <p:par>
+                    <p:cTn id="3" fill="hold">
+                      <p:stCondLst>
+                        <p:cond delay="indefinite"/>
+                      </p:stCondLst>
+                      <p:childTnLst>
+                        <p:par>
+                          <p:cTn id="4" fill="hold">
+                            <p:stCondLst>
+                              <p:cond delay="0"/>
+                            </p:stCondLst>
+                            <p:childTnLst>
+                              <p:par>
+                                <p:cTn id="5" presetID="3" presetClass="entr" presetSubtype="10" fill="hold" grpId="0" nodeType="clickEffect">
+                                  <p:stCondLst>
+                                    <p:cond delay="0"/>
+                                  </p:stCondLst>
+                                  <p:childTnLst>
+                                    <p:set>
+                                      <p:cBhvr>
+                                        <p:cTn id="6" dur="1" fill="hold">
+                                          <p:stCondLst>
+                                            <p:cond delay="0"/>
+                                          </p:stCondLst>
+                                        </p:cTn>
+                                        <p:tgtEl>
+                                          <p:spTgt spid="2">
+                                            <p:txEl>
+                                              <p:pRg st="0" end="0"/>
+                                            </p:txEl>
+                                          </p:spTgt>
+                                        </p:tgtEl>
+                                        <p:attrNameLst>
+                                          <p:attrName>style.visibility</p:attrName>
+                                        </p:attrNameLst>
+                                      </p:cBhvr>
+                                      <p:to>
+                                        <p:strVal val="visible"/>
+                                      </p:to>
+                                    </p:set>
+                                    <p:animEffect transition="in" filter="blinds(horizontal)">
+                                      <p:cBhvr>
+                                        <p:cTn id="7" dur="500"/>
+                                        <p:tgtEl>
+                                          <p:spTgt spid="2">
+                                            <p:txEl>
+                                              <p:pRg st="0" end="0"/>
+                                            </p:txEl>
+                                          </p:spTgt>
+                                        </p:tgtEl>
+                                      </p:cBhvr>
+                                    </p:animEffect>
+                                  </p:childTnLst>
+                                </p:cTn>
+                              </p:par>
+                              <p:par>
+                                <p:cTn id="8" presetID="3" presetClass="entr" presetSubtype="10" fill="hold" grpId="0" nodeType="withEffect">
+                                  <p:stCondLst>
+                                    <p:cond delay="0"/>
+                                  </p:stCondLst>
+                                  <p:childTnLst>
+                                    <p:set>
+                                      <p:cBhvr>
+                                        <p:cTn id="9" dur="1" fill="hold">
+                                          <p:stCondLst>
+                                            <p:cond delay="0"/>
+                                          </p:stCondLst>
+                                        </p:cTn>
+                                        <p:tgtEl>
+                                          <p:spTgt spid="2">
+                                            <p:txEl>
+                                              <p:pRg st="1" end="1"/>
+                                            </p:txEl>
+                                          </p:spTgt>
+                                        </p:tgtEl>
+                                        <p:attrNameLst>
+                                          <p:attrName>style.visibility</p:attrName>
+                                        </p:attrNameLst>
+                                      </p:cBhvr>
+                                      <p:to>
+                                        <p:strVal val="visible"/>
+                                      </p:to>
+                                    </p:set>
+                                    <p:animEffect transition="in" filter="blinds(horizontal)">
+                                      <p:cBhvr>
+                                        <p:cTn id="10" dur="500"/>
+                                        <p:tgtEl>
+                                          <p:spTgt spid="2">
+                                            <p:txEl>
+                                              <p:pRg st="1" end="1"/>
+                                            </p:txEl>
+                                          </p:spTgt>
+                                        </p:tgtEl>
+                                      </p:cBhvr>
+                                    </p:animEffect>
+                                  </p:childTnLst>
+                                </p:cTn>
+                              </p:par>
+                              <p:par>
+                                <p:cTn id="11" presetID="3" presetClass="entr" presetSubtype="10" fill="hold" grpId="0" nodeType="withEffect">
+                                  <p:stCondLst>
+                                    <p:cond delay="0"/>
+                                  </p:stCondLst>
+                                  <p:childTnLst>
+                                    <p:set>
+                                      <p:cBhvr>
+                                        <p:cTn id="12" dur="1" fill="hold">
+                                          <p:stCondLst>
+                                            <p:cond delay="0"/>
+                                          </p:stCondLst>
+                                        </p:cTn>
+                                        <p:tgtEl>
+                                          <p:spTgt spid="2">
+                                            <p:txEl>
+                                              <p:pRg st="2" end="2"/>
+                                            </p:txEl>
+                                          </p:spTgt>
+                                        </p:tgtEl>
+                                        <p:attrNameLst>
+                                          <p:attrName>style.visibility</p:attrName>
+                                        </p:attrNameLst>
+                                      </p:cBhvr>
+                                      <p:to>
+                                        <p:strVal val="visible"/>
+                                      </p:to>
+                                    </p:set>
+                                    <p:animEffect transition="in" filter="blinds(horizontal)">
+                                      <p:cBhvr>
+                                        <p:cTn id="13" dur="500"/>
+                                        <p:tgtEl>
+                                          <p:spTgt spid="2">
+                                            <p:txEl>
+                                              <p:pRg st="2" end="2"/>
+                                            </p:txEl>
+                                          </p:spTgt>
+                                        </p:tgtEl>
+                                      </p:cBhvr>
+                                    </p:animEffect>
+                                  </p:childTnLst>
+                                </p:cTn>
+                              </p:par>
+                            </p:childTnLst>
+                          </p:cTn>
+                        </p:par>
+                      </p:childTnLst>
+                    </p:cTn>
+                  </p:par>
+                  <p:par>
+                    <p:cTn id="14" fill="hold">
+                      <p:stCondLst>
+                        <p:cond delay="indefinite"/>
+                      </p:stCondLst>
+                      <p:childTnLst>
+                        <p:par>
+                          <p:cTn id="15" fill="hold">
+                            <p:stCondLst>
+                              <p:cond delay="0"/>
+                            </p:stCondLst>
+                            <p:childTnLst>
+                              <p:par>
+                                <p:cTn id="16" presetID="3" presetClass="entr" presetSubtype="10" fill="hold" grpId="0" nodeType="clickEffect">
+                                  <p:stCondLst>
+                                    <p:cond delay="0"/>
+                                  </p:stCondLst>
+                                  <p:childTnLst>
+                                    <p:set>
+                                      <p:cBhvr>
+                                        <p:cTn id="17" dur="1" fill="hold">
+                                          <p:stCondLst>
+                                            <p:cond delay="0"/>
+                                          </p:stCondLst>
+                                        </p:cTn>
+                                        <p:tgtEl>
+                                          <p:spTgt spid="2">
+                                            <p:txEl>
+                                              <p:pRg st="3" end="3"/>
+                                            </p:txEl>
+                                          </p:spTgt>
+                                        </p:tgtEl>
+                                        <p:attrNameLst>
+                                          <p:attrName>style.visibility</p:attrName>
+                                        </p:attrNameLst>
+                                      </p:cBhvr>
+                                      <p:to>
+                                        <p:strVal val="visible"/>
+                                      </p:to>
+                                    </p:set>
+                                    <p:animEffect transition="in" filter="blinds(horizontal)">
+                                      <p:cBhvr>
+                                        <p:cTn id="18" dur="500"/>
+                                        <p:tgtEl>
+                                          <p:spTgt spid="2">
+                                            <p:txEl>
+                                              <p:pRg st="3" end="3"/>
+                                            </p:txEl>
+                                          </p:spTgt>
+                                        </p:tgtEl>
+                                      </p:cBhvr>
+                                    </p:animEffect>
+                                  </p:childTnLst>
+                                </p:cTn>
+                              </p:par>
+                            </p:childTnLst>
+                          </p:cTn>
+                        </p:par>
+                      </p:childTnLst>
+                    </p:cTn>
+                  </p:par>
+                  <p:par>
+                    <p:cTn id="19" fill="hold">
+                      <p:stCondLst>
+                        <p:cond delay="indefinite"/>
+                      </p:stCondLst>
+                      <p:childTnLst>
+                        <p:par>
+                          <p:cTn id="20" fill="hold">
+                            <p:stCondLst>
+                              <p:cond delay="0"/>
+                            </p:stCondLst>
+                            <p:childTnLst>
+                              <p:par>
+                                <p:cTn id="21" presetID="3" presetClass="entr" presetSubtype="10" fill="hold" grpId="0" nodeType="clickEffect">
+                                  <p:stCondLst>
+                                    <p:cond delay="0"/>
+                                  </p:stCondLst>
+                                  <p:childTnLst>
+                                    <p:set>
+                                      <p:cBhvr>
+                                        <p:cTn id="22" dur="1" fill="hold">
+                                          <p:stCondLst>
+                                            <p:cond delay="0"/>
+                                          </p:stCondLst>
+                                        </p:cTn>
+                                        <p:tgtEl>
+                                          <p:spTgt spid="2">
+                                            <p:txEl>
+                                              <p:pRg st="4" end="4"/>
+                                            </p:txEl>
+                                          </p:spTgt>
+                                        </p:tgtEl>
+                                        <p:attrNameLst>
+                                          <p:attrName>style.visibility</p:attrName>
+                                        </p:attrNameLst>
+                                      </p:cBhvr>
+                                      <p:to>
+                                        <p:strVal val="visible"/>
+                                      </p:to>
+                                    </p:set>
+                                    <p:animEffect transition="in" filter="blinds(horizontal)">
+                                      <p:cBhvr>
+                                        <p:cTn id="23" dur="500"/>
+                                        <p:tgtEl>
+                                          <p:spTgt spid="2">
+                                            <p:txEl>
+                                              <p:pRg st="4" end="4"/>
+                                            </p:txEl>
+                                          </p:spTgt>
+                                        </p:tgtEl>
+                                      </p:cBhvr>
+                                    </p:animEffect>
+                                  </p:childTnLst>
+                                </p:cTn>
+                              </p:par>
+                              <p:par>
+                                <p:cTn id="24" presetID="3" presetClass="entr" presetSubtype="10" fill="hold" grpId="0" nodeType="withEffect">
+                                  <p:stCondLst>
+                                    <p:cond delay="0"/>
+                                  </p:stCondLst>
+                                  <p:childTnLst>
+                                    <p:set>
+                                      <p:cBhvr>
+                                        <p:cTn id="25" dur="1" fill="hold">
+                                          <p:stCondLst>
+                                            <p:cond delay="0"/>
+                                          </p:stCondLst>
+                                        </p:cTn>
+                                        <p:tgtEl>
+                                          <p:spTgt spid="2">
+                                            <p:txEl>
+                                              <p:pRg st="5" end="5"/>
+                                            </p:txEl>
+                                          </p:spTgt>
+                                        </p:tgtEl>
+                                        <p:attrNameLst>
+                                          <p:attrName>style.visibility</p:attrName>
+                                        </p:attrNameLst>
+                                      </p:cBhvr>
+                                      <p:to>
+                                        <p:strVal val="visible"/>
+                                      </p:to>
+                                    </p:set>
+                                    <p:animEffect transition="in" filter="blinds(horizontal)">
+                                      <p:cBhvr>
+                                        <p:cTn id="26" dur="500"/>
+                                        <p:tgtEl>
+                                          <p:spTgt spid="2">
+                                            <p:txEl>
+                                              <p:pRg st="5" end="5"/>
+                                            </p:txEl>
+                                          </p:spTgt>
+                                        </p:tgtEl>
+                                      </p:cBhvr>
+                                    </p:animEffect>
+                                  </p:childTnLst>
+                                </p:cTn>
+                              </p:par>
+                              <p:par>
+                                <p:cTn id="27" presetID="3" presetClass="entr" presetSubtype="10" fill="hold" grpId="0" nodeType="withEffect">
+                                  <p:stCondLst>
+                                    <p:cond delay="0"/>
+                                  </p:stCondLst>
+                                  <p:childTnLst>
+                                    <p:set>
+                                      <p:cBhvr>
+                                        <p:cTn id="28" dur="1" fill="hold">
+                                          <p:stCondLst>
+                                            <p:cond delay="0"/>
+                                          </p:stCondLst>
+                                        </p:cTn>
+                                        <p:tgtEl>
+                                          <p:spTgt spid="2">
+                                            <p:txEl>
+                                              <p:pRg st="6" end="6"/>
+                                            </p:txEl>
+                                          </p:spTgt>
+                                        </p:tgtEl>
+                                        <p:attrNameLst>
+                                          <p:attrName>style.visibility</p:attrName>
+                                        </p:attrNameLst>
+                                      </p:cBhvr>
+                                      <p:to>
+                                        <p:strVal val="visible"/>
+                                      </p:to>
+                                    </p:set>
+                                    <p:animEffect transition="in" filter="blinds(horizontal)">
+                                      <p:cBhvr>
+                                        <p:cTn id="29" dur="500"/>
+                                        <p:tgtEl>
+                                          <p:spTgt spid="2">
+                                            <p:txEl>
+                                              <p:pRg st="6" end="6"/>
+                                            </p:txEl>
+                                          </p:spTgt>
+                                        </p:tgtEl>
+                                      </p:cBhvr>
+                                    </p:animEffect>
+                                  </p:childTnLst>
+                                </p:cTn>
+                              </p:par>
+                              <p:par>
+                                <p:cTn id="30" presetID="3" presetClass="entr" presetSubtype="10" fill="hold" grpId="0" nodeType="withEffect">
+                                  <p:stCondLst>
+                                    <p:cond delay="0"/>
+                                  </p:stCondLst>
+                                  <p:childTnLst>
+                                    <p:set>
+                                      <p:cBhvr>
+                                        <p:cTn id="31" dur="1" fill="hold">
+                                          <p:stCondLst>
+                                            <p:cond delay="0"/>
+                                          </p:stCondLst>
+                                        </p:cTn>
+                                        <p:tgtEl>
+                                          <p:spTgt spid="2">
+                                            <p:txEl>
+                                              <p:pRg st="7" end="7"/>
+                                            </p:txEl>
+                                          </p:spTgt>
+                                        </p:tgtEl>
+                                        <p:attrNameLst>
+                                          <p:attrName>style.visibility</p:attrName>
+                                        </p:attrNameLst>
+                                      </p:cBhvr>
+                                      <p:to>
+                                        <p:strVal val="visible"/>
+                                      </p:to>
+                                    </p:set>
+                                    <p:animEffect transition="in" filter="blinds(horizontal)">
+                                      <p:cBhvr>
+                                        <p:cTn id="32" dur="500"/>
+                                        <p:tgtEl>
+                                          <p:spTgt spid="2">
+                                            <p:txEl>
+                                              <p:pRg st="7" end="7"/>
+                                            </p:txEl>
+                                          </p:spTgt>
+                                        </p:tgtEl>
+                                      </p:cBhvr>
+                                    </p:animEffect>
+                                  </p:childTnLst>
+                                </p:cTn>
+                              </p:par>
+                            </p:childTnLst>
+                          </p:cTn>
+                        </p:par>
+                      </p:childTnLst>
+                    </p:cTn>
+                  </p:par>
+                  <p:par>
+                    <p:cTn id="33" fill="hold">
+                      <p:stCondLst>
+                        <p:cond delay="indefinite"/>
+                      </p:stCondLst>
+                      <p:childTnLst>
+                        <p:par>
+                          <p:cTn id="34" fill="hold">
+                            <p:stCondLst>
+                              <p:cond delay="0"/>
+                            </p:stCondLst>
+                            <p:childTnLst>
+                              <p:par>
+                                <p:cTn id="35" presetID="3" presetClass="entr" presetSubtype="10" fill="hold" grpId="0" nodeType="clickEffect">
+                                  <p:stCondLst>
+                                    <p:cond delay="0"/>
+                                  </p:stCondLst>
+                                  <p:childTnLst>
+                                    <p:set>
+                                      <p:cBhvr>
+                                        <p:cTn id="36" dur="1" fill="hold">
+                                          <p:stCondLst>
+                                            <p:cond delay="0"/>
+                                          </p:stCondLst>
+                                        </p:cTn>
+                                        <p:tgtEl>
+                                          <p:spTgt spid="2">
+                                            <p:txEl>
+                                              <p:pRg st="9" end="9"/>
+                                            </p:txEl>
+                                          </p:spTgt>
+                                        </p:tgtEl>
+                                        <p:attrNameLst>
+                                          <p:attrName>style.visibility</p:attrName>
+                                        </p:attrNameLst>
+                                      </p:cBhvr>
+                                      <p:to>
+                                        <p:strVal val="visible"/>
+                                      </p:to>
+                                    </p:set>
+                                    <p:animEffect transition="in" filter="blinds(horizontal)">
+                                      <p:cBhvr>
+                                        <p:cTn id="37" dur="500"/>
+                                        <p:tgtEl>
+                                          <p:spTgt spid="2">
+                                            <p:txEl>
+                                              <p:pRg st="9" end="9"/>
+                                            </p:txEl>
+                                          </p:spTgt>
+                                        </p:tgtEl>
+                                      </p:cBhvr>
+                                    </p:animEffect>
+                                  </p:childTnLst>
+                                </p:cTn>
+                              </p:par>
+                              <p:par>
+                                <p:cTn id="38" presetID="3" presetClass="entr" presetSubtype="10" fill="hold" grpId="0" nodeType="withEffect">
+                                  <p:stCondLst>
+                                    <p:cond delay="0"/>
+                                  </p:stCondLst>
+                                  <p:childTnLst>
+                                    <p:set>
+                                      <p:cBhvr>
+                                        <p:cTn id="39" dur="1" fill="hold">
+                                          <p:stCondLst>
+                                            <p:cond delay="0"/>
+                                          </p:stCondLst>
+                                        </p:cTn>
+                                        <p:tgtEl>
+                                          <p:spTgt spid="2">
+                                            <p:txEl>
+                                              <p:pRg st="10" end="10"/>
+                                            </p:txEl>
+                                          </p:spTgt>
+                                        </p:tgtEl>
+                                        <p:attrNameLst>
+                                          <p:attrName>style.visibility</p:attrName>
+                                        </p:attrNameLst>
+                                      </p:cBhvr>
+                                      <p:to>
+                                        <p:strVal val="visible"/>
+                                      </p:to>
+                                    </p:set>
+                                    <p:animEffect transition="in" filter="blinds(horizontal)">
+                                      <p:cBhvr>
+                                        <p:cTn id="40" dur="500"/>
+                                        <p:tgtEl>
+                                          <p:spTgt spid="2">
+                                            <p:txEl>
+                                              <p:pRg st="10" end="10"/>
+                                            </p:txEl>
+                                          </p:spTgt>
+                                        </p:tgtEl>
+                                      </p:cBhvr>
+                                    </p:animEffect>
+                                  </p:childTnLst>
+                                </p:cTn>
+                              </p:par>
+                            </p:childTnLst>
+                          </p:cTn>
+                        </p:par>
+                      </p:childTnLst>
+                    </p:cTn>
+                  </p:par>
+                </p:childTnLst>
+              </p:cTn>
+              <p:prevCondLst>
+                <p:cond evt="onPrev" delay="0">
+                  <p:tgtEl>
+                    <p:sldTgt/>
+                  </p:tgtEl>
+                </p:cond>
+              </p:prevCondLst>
+              <p:nextCondLst>
+                <p:cond evt="onNext" delay="0">
+                  <p:tgtEl>
+                    <p:sldTgt/>
+                  </p:tgtEl>
+                </p:cond>
+              </p:nextCondLst>
+            </p:seq>
+          </p:childTnLst>
+        </p:cTn>
+      </p:par>
+    </p:tnLst>
+    <p:bldLst>
+      <p:bldP spid="2" grpId="0" build="p"/>
+    </p:bldLst>
+  </p:timing>
 </p:sld>
 </file>
 
 <file path=ppt/slides/slide8.xml><?xml version="1.0" encoding="utf-8"?>
+<p:sld xmlns:a="http://schemas.openxmlformats.org/drawingml/2006/main" xmlns:r="http://schemas.openxmlformats.org/officeDocument/2006/relationships" xmlns:p="http://schemas.openxmlformats.org/presentationml/2006/main">
+  <p:cSld>
+    <p:spTree>
+      <p:nvGrpSpPr>
+        <p:cNvPr id="1" name=""/>
+        <p:cNvGrpSpPr/>
+        <p:nvPr/>
+      </p:nvGrpSpPr>
+      <p:grpSpPr>
+        <a:xfrm>
+          <a:off x="0" y="0"/>
+          <a:ext cx="0" cy="0"/>
+          <a:chOff x="0" y="0"/>
+          <a:chExt cx="0" cy="0"/>
+        </a:xfrm>
+      </p:grpSpPr>
+      <p:sp>
+        <p:nvSpPr>
+          <p:cNvPr id="2" name="Content Placeholder 1"/>
+          <p:cNvSpPr>
+            <a:spLocks noGrp="1"/>
+          </p:cNvSpPr>
+          <p:nvPr>
+            <p:ph idx="1"/>
+          </p:nvPr>
+        </p:nvSpPr>
+        <p:spPr/>
+        <p:txBody>
+          <a:bodyPr>
+            <a:normAutofit/>
+          </a:bodyPr>
+          <a:lstStyle/>
+          <a:p>
+            <a:r>
+              <a:rPr lang="en-US" dirty="0" smtClean="0"/>
+              <a:t>In java, garbage means unreferenced objects.</a:t>
+            </a:r>
+          </a:p>
+          <a:p>
+            <a:pPr algn="just"/>
+            <a:endParaRPr lang="en-US" dirty="0" smtClean="0"/>
+          </a:p>
+          <a:p>
+            <a:pPr algn="just"/>
+            <a:r>
+              <a:rPr lang="en-US" dirty="0" smtClean="0"/>
+              <a:t>Garbage Collection is process of reclaiming the runtime unused memory automatically.</a:t>
+            </a:r>
+          </a:p>
+          <a:p>
+            <a:pPr algn="just"/>
+            <a:endParaRPr lang="en-US" dirty="0" smtClean="0"/>
+          </a:p>
+          <a:p>
+            <a:pPr algn="just"/>
+            <a:r>
+              <a:rPr lang="en-US" dirty="0" smtClean="0"/>
+              <a:t>Automatic garbage collection is the process of looking at heap memory, identifying which objects are in use and which are not, and deleting the unused objects.</a:t>
+            </a:r>
+            <a:endParaRPr lang="ro-RO" dirty="0"/>
+          </a:p>
+        </p:txBody>
+      </p:sp>
+      <p:sp>
+        <p:nvSpPr>
+          <p:cNvPr id="3" name="Title 2"/>
+          <p:cNvSpPr>
+            <a:spLocks noGrp="1"/>
+          </p:cNvSpPr>
+          <p:nvPr>
+            <p:ph type="title"/>
+          </p:nvPr>
+        </p:nvSpPr>
+        <p:spPr/>
+        <p:txBody>
+          <a:bodyPr/>
+          <a:lstStyle/>
+          <a:p>
+            <a:r>
+              <a:rPr lang="en-US" dirty="0" smtClean="0"/>
+              <a:t>Garbage Collector</a:t>
+            </a:r>
+            <a:endParaRPr lang="ro-RO" dirty="0"/>
+          </a:p>
+        </p:txBody>
+      </p:sp>
+    </p:spTree>
+  </p:cSld>
+  <p:clrMapOvr>
+    <a:masterClrMapping/>
+  </p:clrMapOvr>
+  <p:timing>
+    <p:tnLst>
+      <p:par>
+        <p:cTn id="1" dur="indefinite" restart="never" nodeType="tmRoot">
+          <p:childTnLst>
+            <p:seq concurrent="1" nextAc="seek">
+              <p:cTn id="2" dur="indefinite" nodeType="mainSeq">
+                <p:childTnLst>
+                  <p:par>
+                    <p:cTn id="3" fill="hold">
+                      <p:stCondLst>
+                        <p:cond delay="indefinite"/>
+                      </p:stCondLst>
+                      <p:childTnLst>
+                        <p:par>
+                          <p:cTn id="4" fill="hold">
+                            <p:stCondLst>
+                              <p:cond delay="0"/>
+                            </p:stCondLst>
+                            <p:childTnLst>
+                              <p:par>
+                                <p:cTn id="5" presetID="3" presetClass="entr" presetSubtype="10" fill="hold" grpId="0" nodeType="clickEffect">
+                                  <p:stCondLst>
+                                    <p:cond delay="0"/>
+                                  </p:stCondLst>
+                                  <p:childTnLst>
+                                    <p:set>
+                                      <p:cBhvr>
+                                        <p:cTn id="6" dur="1" fill="hold">
+                                          <p:stCondLst>
+                                            <p:cond delay="0"/>
+                                          </p:stCondLst>
+                                        </p:cTn>
+                                        <p:tgtEl>
+                                          <p:spTgt spid="2">
+                                            <p:txEl>
+                                              <p:pRg st="0" end="0"/>
+                                            </p:txEl>
+                                          </p:spTgt>
+                                        </p:tgtEl>
+                                        <p:attrNameLst>
+                                          <p:attrName>style.visibility</p:attrName>
+                                        </p:attrNameLst>
+                                      </p:cBhvr>
+                                      <p:to>
+                                        <p:strVal val="visible"/>
+                                      </p:to>
+                                    </p:set>
+                                    <p:animEffect transition="in" filter="blinds(horizontal)">
+                                      <p:cBhvr>
+                                        <p:cTn id="7" dur="500"/>
+                                        <p:tgtEl>
+                                          <p:spTgt spid="2">
+                                            <p:txEl>
+                                              <p:pRg st="0" end="0"/>
+                                            </p:txEl>
+                                          </p:spTgt>
+                                        </p:tgtEl>
+                                      </p:cBhvr>
+                                    </p:animEffect>
+                                  </p:childTnLst>
+                                </p:cTn>
+                              </p:par>
+                            </p:childTnLst>
+                          </p:cTn>
+                        </p:par>
+                      </p:childTnLst>
+                    </p:cTn>
+                  </p:par>
+                  <p:par>
+                    <p:cTn id="8" fill="hold">
+                      <p:stCondLst>
+                        <p:cond delay="indefinite"/>
+                      </p:stCondLst>
+                      <p:childTnLst>
+                        <p:par>
+                          <p:cTn id="9" fill="hold">
+                            <p:stCondLst>
+                              <p:cond delay="0"/>
+                            </p:stCondLst>
+                            <p:childTnLst>
+                              <p:par>
+                                <p:cTn id="10" presetID="3" presetClass="entr" presetSubtype="10" fill="hold" grpId="0" nodeType="clickEffect">
+                                  <p:stCondLst>
+                                    <p:cond delay="0"/>
+                                  </p:stCondLst>
+                                  <p:childTnLst>
+                                    <p:set>
+                                      <p:cBhvr>
+                                        <p:cTn id="11" dur="1" fill="hold">
+                                          <p:stCondLst>
+                                            <p:cond delay="0"/>
+                                          </p:stCondLst>
+                                        </p:cTn>
+                                        <p:tgtEl>
+                                          <p:spTgt spid="2">
+                                            <p:txEl>
+                                              <p:pRg st="2" end="2"/>
+                                            </p:txEl>
+                                          </p:spTgt>
+                                        </p:tgtEl>
+                                        <p:attrNameLst>
+                                          <p:attrName>style.visibility</p:attrName>
+                                        </p:attrNameLst>
+                                      </p:cBhvr>
+                                      <p:to>
+                                        <p:strVal val="visible"/>
+                                      </p:to>
+                                    </p:set>
+                                    <p:animEffect transition="in" filter="blinds(horizontal)">
+                                      <p:cBhvr>
+                                        <p:cTn id="12" dur="500"/>
+                                        <p:tgtEl>
+                                          <p:spTgt spid="2">
+                                            <p:txEl>
+                                              <p:pRg st="2" end="2"/>
+                                            </p:txEl>
+                                          </p:spTgt>
+                                        </p:tgtEl>
+                                      </p:cBhvr>
+                                    </p:animEffect>
+                                  </p:childTnLst>
+                                </p:cTn>
+                              </p:par>
+                            </p:childTnLst>
+                          </p:cTn>
+                        </p:par>
+                      </p:childTnLst>
+                    </p:cTn>
+                  </p:par>
+                  <p:par>
+                    <p:cTn id="13" fill="hold">
+                      <p:stCondLst>
+                        <p:cond delay="indefinite"/>
+                      </p:stCondLst>
+                      <p:childTnLst>
+                        <p:par>
+                          <p:cTn id="14" fill="hold">
+                            <p:stCondLst>
+                              <p:cond delay="0"/>
+                            </p:stCondLst>
+                            <p:childTnLst>
+                              <p:par>
+                                <p:cTn id="15" presetID="3" presetClass="entr" presetSubtype="10" fill="hold" grpId="0" nodeType="clickEffect">
+                                  <p:stCondLst>
+                                    <p:cond delay="0"/>
+                                  </p:stCondLst>
+                                  <p:childTnLst>
+                                    <p:set>
+                                      <p:cBhvr>
+                                        <p:cTn id="16" dur="1" fill="hold">
+                                          <p:stCondLst>
+                                            <p:cond delay="0"/>
+                                          </p:stCondLst>
+                                        </p:cTn>
+                                        <p:tgtEl>
+                                          <p:spTgt spid="2">
+                                            <p:txEl>
+                                              <p:pRg st="4" end="4"/>
+                                            </p:txEl>
+                                          </p:spTgt>
+                                        </p:tgtEl>
+                                        <p:attrNameLst>
+                                          <p:attrName>style.visibility</p:attrName>
+                                        </p:attrNameLst>
+                                      </p:cBhvr>
+                                      <p:to>
+                                        <p:strVal val="visible"/>
+                                      </p:to>
+                                    </p:set>
+                                    <p:animEffect transition="in" filter="blinds(horizontal)">
+                                      <p:cBhvr>
+                                        <p:cTn id="17" dur="500"/>
+                                        <p:tgtEl>
+                                          <p:spTgt spid="2">
+                                            <p:txEl>
+                                              <p:pRg st="4" end="4"/>
+                                            </p:txEl>
+                                          </p:spTgt>
+                                        </p:tgtEl>
+                                      </p:cBhvr>
+                                    </p:animEffect>
+                                  </p:childTnLst>
+                                </p:cTn>
+                              </p:par>
+                            </p:childTnLst>
+                          </p:cTn>
+                        </p:par>
+                      </p:childTnLst>
+                    </p:cTn>
+                  </p:par>
+                </p:childTnLst>
+              </p:cTn>
+              <p:prevCondLst>
+                <p:cond evt="onPrev" delay="0">
+                  <p:tgtEl>
+                    <p:sldTgt/>
+                  </p:tgtEl>
+                </p:cond>
+              </p:prevCondLst>
+              <p:nextCondLst>
+                <p:cond evt="onNext" delay="0">
+                  <p:tgtEl>
+                    <p:sldTgt/>
+                  </p:tgtEl>
+                </p:cond>
+              </p:nextCondLst>
+            </p:seq>
+          </p:childTnLst>
+        </p:cTn>
+      </p:par>
+    </p:tnLst>
+    <p:bldLst>
+      <p:bldP spid="2" grpId="0" build="p"/>
+    </p:bldLst>
+  </p:timing>
+</p:sld>
+</file>
+
+<file path=ppt/slides/slide9.xml><?xml version="1.0" encoding="utf-8"?>
 <p:sld xmlns:a="http://schemas.openxmlformats.org/drawingml/2006/main" xmlns:r="http://schemas.openxmlformats.org/officeDocument/2006/relationships" xmlns:p="http://schemas.openxmlformats.org/presentationml/2006/main">
   <p:cSld>
     <p:spTree>
